--- a/MongoDB.pptx
+++ b/MongoDB.pptx
@@ -13,14 +13,17 @@
     <p:sldId id="264" r:id="rId7"/>
     <p:sldId id="261" r:id="rId8"/>
     <p:sldId id="262" r:id="rId9"/>
-    <p:sldId id="263" r:id="rId10"/>
-    <p:sldId id="265" r:id="rId11"/>
-    <p:sldId id="267" r:id="rId12"/>
-    <p:sldId id="268" r:id="rId13"/>
-    <p:sldId id="269" r:id="rId14"/>
-    <p:sldId id="270" r:id="rId15"/>
-    <p:sldId id="271" r:id="rId16"/>
-    <p:sldId id="266" r:id="rId17"/>
+    <p:sldId id="273" r:id="rId10"/>
+    <p:sldId id="274" r:id="rId11"/>
+    <p:sldId id="272" r:id="rId12"/>
+    <p:sldId id="263" r:id="rId13"/>
+    <p:sldId id="265" r:id="rId14"/>
+    <p:sldId id="267" r:id="rId15"/>
+    <p:sldId id="268" r:id="rId16"/>
+    <p:sldId id="269" r:id="rId17"/>
+    <p:sldId id="270" r:id="rId18"/>
+    <p:sldId id="271" r:id="rId19"/>
+    <p:sldId id="266" r:id="rId20"/>
   </p:sldIdLst>
   <p:sldSz cx="12192000" cy="6858000"/>
   <p:notesSz cx="6858000" cy="9144000"/>
@@ -3437,7 +3440,7 @@
           <p:cNvPr id="2" name="Titel 1">
             <a:extLst>
               <a:ext uri="{FF2B5EF4-FFF2-40B4-BE49-F238E27FC236}">
-                <a16:creationId xmlns:a16="http://schemas.microsoft.com/office/drawing/2014/main" id="{43E958BE-E774-481D-A052-370F7CCD4CC3}"/>
+                <a16:creationId xmlns:a16="http://schemas.microsoft.com/office/drawing/2014/main" id="{9BBCB541-DFA1-48E6-80FA-DAA8F5747DA7}"/>
               </a:ext>
             </a:extLst>
           </p:cNvPr>
@@ -3460,7 +3463,19 @@
             </a:r>
             <a:r>
               <a:rPr lang="da-DK" dirty="0"/>
-              <a:t> - Express</a:t>
+              <a:t> start fra terminal (</a:t>
+            </a:r>
+            <a:r>
+              <a:rPr lang="da-DK" dirty="0" err="1"/>
+              <a:t>cmd</a:t>
+            </a:r>
+            <a:r>
+              <a:rPr lang="da-DK" dirty="0"/>
+              <a:t>) som </a:t>
+            </a:r>
+            <a:r>
+              <a:rPr lang="da-DK"/>
+              <a:t>admin</a:t>
             </a:r>
           </a:p>
         </p:txBody>
@@ -3470,7 +3485,7 @@
           <p:cNvPr id="3" name="Pladsholder til indhold 2">
             <a:extLst>
               <a:ext uri="{FF2B5EF4-FFF2-40B4-BE49-F238E27FC236}">
-                <a16:creationId xmlns:a16="http://schemas.microsoft.com/office/drawing/2014/main" id="{D021791F-63E1-4DDE-A625-E4FD358420DE}"/>
+                <a16:creationId xmlns:a16="http://schemas.microsoft.com/office/drawing/2014/main" id="{DF531EB4-0B73-4392-9DBB-B44ADC0374BE}"/>
               </a:ext>
             </a:extLst>
           </p:cNvPr>
@@ -3488,14 +3503,64 @@
           <a:p>
             <a:r>
               <a:rPr lang="da-DK" dirty="0"/>
-              <a:t>En stor del af din arbejde kommer til at foregå i index.js, der hvor du har dine Routes. Tilføj dog </a:t>
+              <a:t>Start </a:t>
+            </a:r>
+            <a:r>
+              <a:rPr lang="da-DK" dirty="0" err="1"/>
+              <a:t>Mongo</a:t>
+            </a:r>
+            <a:r>
+              <a:rPr lang="da-DK" dirty="0"/>
+              <a:t>: </a:t>
             </a:r>
             <a:r>
               <a:rPr lang="da-DK" dirty="0">
                 <a:latin typeface="Microsoft Yi Baiti" panose="03000500000000000000" pitchFamily="66" charset="0"/>
                 <a:ea typeface="Microsoft Yi Baiti" panose="03000500000000000000" pitchFamily="66" charset="0"/>
               </a:rPr>
-              <a:t>var </a:t>
+              <a:t>cd &lt;</a:t>
+            </a:r>
+            <a:r>
+              <a:rPr lang="da-DK" dirty="0" err="1">
+                <a:latin typeface="Microsoft Yi Baiti" panose="03000500000000000000" pitchFamily="66" charset="0"/>
+                <a:ea typeface="Microsoft Yi Baiti" panose="03000500000000000000" pitchFamily="66" charset="0"/>
+              </a:rPr>
+              <a:t>mongodb</a:t>
+            </a:r>
+            <a:r>
+              <a:rPr lang="da-DK" dirty="0">
+                <a:latin typeface="Microsoft Yi Baiti" panose="03000500000000000000" pitchFamily="66" charset="0"/>
+                <a:ea typeface="Microsoft Yi Baiti" panose="03000500000000000000" pitchFamily="66" charset="0"/>
+              </a:rPr>
+              <a:t> installation dir&gt; </a:t>
+            </a:r>
+            <a:r>
+              <a:rPr lang="da-DK" b="1" dirty="0"/>
+              <a:t>fra terminal – </a:t>
+            </a:r>
+            <a:r>
+              <a:rPr lang="da-DK" b="1" dirty="0">
+                <a:solidFill>
+                  <a:srgbClr val="FF0000"/>
+                </a:solidFill>
+              </a:rPr>
+              <a:t>som ADMINISTRATOR</a:t>
+            </a:r>
+            <a:endParaRPr lang="da-DK" b="1" dirty="0"/>
+          </a:p>
+          <a:p>
+            <a:r>
+              <a:rPr lang="da-DK" dirty="0">
+                <a:ea typeface="Microsoft Yi Baiti" panose="03000500000000000000" pitchFamily="66" charset="0"/>
+              </a:rPr>
+              <a:t>Start: </a:t>
+            </a:r>
+            <a:r>
+              <a:rPr lang="da-DK" dirty="0">
+                <a:latin typeface="Microsoft Yi Baiti" panose="03000500000000000000" pitchFamily="66" charset="0"/>
+                <a:ea typeface="Microsoft Yi Baiti" panose="03000500000000000000" pitchFamily="66" charset="0"/>
+              </a:rPr>
+              <a:t>./bin/</a:t>
             </a:r>
             <a:r>
               <a:rPr lang="da-DK" dirty="0" err="1">
@@ -3504,159 +3569,17 @@
               </a:rPr>
               <a:t>mongo</a:t>
             </a:r>
-            <a:r>
-              <a:rPr lang="da-DK" dirty="0">
-                <a:latin typeface="Microsoft Yi Baiti" panose="03000500000000000000" pitchFamily="66" charset="0"/>
-                <a:ea typeface="Microsoft Yi Baiti" panose="03000500000000000000" pitchFamily="66" charset="0"/>
-              </a:rPr>
-              <a:t> = </a:t>
-            </a:r>
-            <a:r>
-              <a:rPr lang="da-DK" dirty="0" err="1">
-                <a:latin typeface="Microsoft Yi Baiti" panose="03000500000000000000" pitchFamily="66" charset="0"/>
-                <a:ea typeface="Microsoft Yi Baiti" panose="03000500000000000000" pitchFamily="66" charset="0"/>
-              </a:rPr>
-              <a:t>require</a:t>
-            </a:r>
-            <a:r>
-              <a:rPr lang="da-DK" dirty="0">
-                <a:latin typeface="Microsoft Yi Baiti" panose="03000500000000000000" pitchFamily="66" charset="0"/>
-                <a:ea typeface="Microsoft Yi Baiti" panose="03000500000000000000" pitchFamily="66" charset="0"/>
-              </a:rPr>
-              <a:t>('</a:t>
-            </a:r>
-            <a:r>
-              <a:rPr lang="da-DK" dirty="0" err="1">
-                <a:latin typeface="Microsoft Yi Baiti" panose="03000500000000000000" pitchFamily="66" charset="0"/>
-                <a:ea typeface="Microsoft Yi Baiti" panose="03000500000000000000" pitchFamily="66" charset="0"/>
-              </a:rPr>
-              <a:t>mongodb</a:t>
-            </a:r>
-            <a:r>
-              <a:rPr lang="da-DK" dirty="0">
-                <a:latin typeface="Microsoft Yi Baiti" panose="03000500000000000000" pitchFamily="66" charset="0"/>
-                <a:ea typeface="Microsoft Yi Baiti" panose="03000500000000000000" pitchFamily="66" charset="0"/>
-              </a:rPr>
-              <a:t>’);</a:t>
-            </a:r>
-            <a:r>
-              <a:rPr lang="da-DK" dirty="0"/>
-              <a:t> til app.js</a:t>
-            </a:r>
-          </a:p>
-          <a:p>
-            <a:r>
-              <a:rPr lang="da-DK" dirty="0"/>
-              <a:t>I index.js tilføj i toppen: </a:t>
-            </a:r>
-          </a:p>
-          <a:p>
-            <a:pPr lvl="1"/>
-            <a:r>
-              <a:rPr lang="da-DK" dirty="0">
-                <a:latin typeface="Microsoft Yi Baiti" panose="03000500000000000000" pitchFamily="66" charset="0"/>
-                <a:ea typeface="Microsoft Yi Baiti" panose="03000500000000000000" pitchFamily="66" charset="0"/>
-              </a:rPr>
-              <a:t>var </a:t>
-            </a:r>
-            <a:r>
-              <a:rPr lang="da-DK" dirty="0" err="1">
-                <a:latin typeface="Microsoft Yi Baiti" panose="03000500000000000000" pitchFamily="66" charset="0"/>
-                <a:ea typeface="Microsoft Yi Baiti" panose="03000500000000000000" pitchFamily="66" charset="0"/>
-              </a:rPr>
-              <a:t>mongodb</a:t>
-            </a:r>
-            <a:r>
-              <a:rPr lang="da-DK" dirty="0">
-                <a:latin typeface="Microsoft Yi Baiti" panose="03000500000000000000" pitchFamily="66" charset="0"/>
-                <a:ea typeface="Microsoft Yi Baiti" panose="03000500000000000000" pitchFamily="66" charset="0"/>
-              </a:rPr>
-              <a:t> = </a:t>
-            </a:r>
-            <a:r>
-              <a:rPr lang="da-DK" dirty="0" err="1">
-                <a:latin typeface="Microsoft Yi Baiti" panose="03000500000000000000" pitchFamily="66" charset="0"/>
-                <a:ea typeface="Microsoft Yi Baiti" panose="03000500000000000000" pitchFamily="66" charset="0"/>
-              </a:rPr>
-              <a:t>require</a:t>
-            </a:r>
-            <a:r>
-              <a:rPr lang="da-DK" dirty="0">
-                <a:latin typeface="Microsoft Yi Baiti" panose="03000500000000000000" pitchFamily="66" charset="0"/>
-                <a:ea typeface="Microsoft Yi Baiti" panose="03000500000000000000" pitchFamily="66" charset="0"/>
-              </a:rPr>
-              <a:t>('</a:t>
-            </a:r>
-            <a:r>
-              <a:rPr lang="da-DK" dirty="0" err="1">
-                <a:latin typeface="Microsoft Yi Baiti" panose="03000500000000000000" pitchFamily="66" charset="0"/>
-                <a:ea typeface="Microsoft Yi Baiti" panose="03000500000000000000" pitchFamily="66" charset="0"/>
-              </a:rPr>
-              <a:t>mongodb</a:t>
-            </a:r>
-            <a:r>
-              <a:rPr lang="da-DK" dirty="0">
-                <a:latin typeface="Microsoft Yi Baiti" panose="03000500000000000000" pitchFamily="66" charset="0"/>
-                <a:ea typeface="Microsoft Yi Baiti" panose="03000500000000000000" pitchFamily="66" charset="0"/>
-              </a:rPr>
-              <a:t>');</a:t>
-            </a:r>
-          </a:p>
-          <a:p>
-            <a:pPr lvl="1"/>
-            <a:r>
-              <a:rPr lang="da-DK" dirty="0" err="1">
-                <a:latin typeface="Microsoft Yi Baiti" panose="03000500000000000000" pitchFamily="66" charset="0"/>
-                <a:ea typeface="Microsoft Yi Baiti" panose="03000500000000000000" pitchFamily="66" charset="0"/>
-              </a:rPr>
-              <a:t>const</a:t>
-            </a:r>
-            <a:r>
-              <a:rPr lang="da-DK" dirty="0">
-                <a:latin typeface="Microsoft Yi Baiti" panose="03000500000000000000" pitchFamily="66" charset="0"/>
-                <a:ea typeface="Microsoft Yi Baiti" panose="03000500000000000000" pitchFamily="66" charset="0"/>
-              </a:rPr>
-              <a:t> url = '</a:t>
-            </a:r>
-            <a:r>
-              <a:rPr lang="da-DK" dirty="0" err="1">
-                <a:latin typeface="Microsoft Yi Baiti" panose="03000500000000000000" pitchFamily="66" charset="0"/>
-                <a:ea typeface="Microsoft Yi Baiti" panose="03000500000000000000" pitchFamily="66" charset="0"/>
-              </a:rPr>
-              <a:t>mongodb</a:t>
-            </a:r>
-            <a:r>
-              <a:rPr lang="da-DK" dirty="0">
-                <a:latin typeface="Microsoft Yi Baiti" panose="03000500000000000000" pitchFamily="66" charset="0"/>
-                <a:ea typeface="Microsoft Yi Baiti" panose="03000500000000000000" pitchFamily="66" charset="0"/>
-              </a:rPr>
-              <a:t>://localhost:27017’;</a:t>
-            </a:r>
-          </a:p>
-          <a:p>
-            <a:pPr lvl="1"/>
-            <a:endParaRPr lang="da-DK" dirty="0"/>
-          </a:p>
-          <a:p>
-            <a:r>
-              <a:rPr lang="da-DK" dirty="0"/>
-              <a:t>Nu skal du til at bruge dine routes ganske som du plejer, men med </a:t>
-            </a:r>
-            <a:r>
-              <a:rPr lang="da-DK" dirty="0" err="1"/>
-              <a:t>MongoDB</a:t>
-            </a:r>
-            <a:r>
-              <a:rPr lang="da-DK" dirty="0"/>
-              <a:t>-syntaks for at hente, indsætte, opdatere og slette data.</a:t>
-            </a:r>
+            <a:endParaRPr lang="da-DK" dirty="0">
+              <a:latin typeface="Microsoft Yi Baiti" panose="03000500000000000000" pitchFamily="66" charset="0"/>
+              <a:ea typeface="Microsoft Yi Baiti" panose="03000500000000000000" pitchFamily="66" charset="0"/>
+            </a:endParaRPr>
           </a:p>
         </p:txBody>
       </p:sp>
     </p:spTree>
     <p:extLst>
       <p:ext uri="{BB962C8B-B14F-4D97-AF65-F5344CB8AC3E}">
-        <p14:creationId xmlns:p14="http://schemas.microsoft.com/office/powerpoint/2010/main" val="4058835495"/>
+        <p14:creationId xmlns:p14="http://schemas.microsoft.com/office/powerpoint/2010/main" val="2179950704"/>
       </p:ext>
     </p:extLst>
   </p:cSld>
@@ -3688,6 +3611,692 @@
           <p:cNvPr id="2" name="Titel 1">
             <a:extLst>
               <a:ext uri="{FF2B5EF4-FFF2-40B4-BE49-F238E27FC236}">
+                <a16:creationId xmlns:a16="http://schemas.microsoft.com/office/drawing/2014/main" id="{B26C43AA-C6A6-44FC-A2E8-C810A80B4641}"/>
+              </a:ext>
+            </a:extLst>
+          </p:cNvPr>
+          <p:cNvSpPr>
+            <a:spLocks noGrp="1"/>
+          </p:cNvSpPr>
+          <p:nvPr>
+            <p:ph type="title"/>
+          </p:nvPr>
+        </p:nvSpPr>
+        <p:spPr/>
+        <p:txBody>
+          <a:bodyPr/>
+          <a:lstStyle/>
+          <a:p>
+            <a:pPr algn="ctr"/>
+            <a:r>
+              <a:rPr lang="da-DK" dirty="0" err="1"/>
+              <a:t>MongoDB</a:t>
+            </a:r>
+            <a:r>
+              <a:rPr lang="da-DK" dirty="0"/>
+              <a:t> &amp; Express</a:t>
+            </a:r>
+          </a:p>
+        </p:txBody>
+      </p:sp>
+      <p:sp>
+        <p:nvSpPr>
+          <p:cNvPr id="3" name="Pladsholder til indhold 2">
+            <a:extLst>
+              <a:ext uri="{FF2B5EF4-FFF2-40B4-BE49-F238E27FC236}">
+                <a16:creationId xmlns:a16="http://schemas.microsoft.com/office/drawing/2014/main" id="{B7281BA0-ADC1-4855-81AF-01D019227625}"/>
+              </a:ext>
+            </a:extLst>
+          </p:cNvPr>
+          <p:cNvSpPr>
+            <a:spLocks noGrp="1"/>
+          </p:cNvSpPr>
+          <p:nvPr>
+            <p:ph idx="1"/>
+          </p:nvPr>
+        </p:nvSpPr>
+        <p:spPr/>
+        <p:txBody>
+          <a:bodyPr>
+            <a:normAutofit fontScale="92500" lnSpcReduction="10000"/>
+          </a:bodyPr>
+          <a:lstStyle/>
+          <a:p>
+            <a:r>
+              <a:rPr lang="da-DK" dirty="0"/>
+              <a:t>Åbn VSC. Åbn en ny fane i din indbyggede terminal og start din </a:t>
+            </a:r>
+            <a:r>
+              <a:rPr lang="da-DK" dirty="0" err="1"/>
+              <a:t>MongoDB</a:t>
+            </a:r>
+            <a:r>
+              <a:rPr lang="da-DK" dirty="0"/>
+              <a:t> Server med hele denne kommando (også det med gult):</a:t>
+            </a:r>
+            <a:br>
+              <a:rPr lang="da-DK" dirty="0"/>
+            </a:br>
+            <a:r>
+              <a:rPr lang="da-DK" dirty="0" err="1">
+                <a:latin typeface="Microsoft Yi Baiti" panose="03000500000000000000" pitchFamily="66" charset="0"/>
+                <a:ea typeface="Microsoft Yi Baiti" panose="03000500000000000000" pitchFamily="66" charset="0"/>
+              </a:rPr>
+              <a:t>mongod</a:t>
+            </a:r>
+            <a:r>
+              <a:rPr lang="da-DK" dirty="0">
+                <a:latin typeface="Microsoft Yi Baiti" panose="03000500000000000000" pitchFamily="66" charset="0"/>
+                <a:ea typeface="Microsoft Yi Baiti" panose="03000500000000000000" pitchFamily="66" charset="0"/>
+              </a:rPr>
+              <a:t> --</a:t>
+            </a:r>
+            <a:r>
+              <a:rPr lang="da-DK" dirty="0" err="1">
+                <a:latin typeface="Microsoft Yi Baiti" panose="03000500000000000000" pitchFamily="66" charset="0"/>
+                <a:ea typeface="Microsoft Yi Baiti" panose="03000500000000000000" pitchFamily="66" charset="0"/>
+              </a:rPr>
+              <a:t>dbpath</a:t>
+            </a:r>
+            <a:r>
+              <a:rPr lang="da-DK" dirty="0">
+                <a:latin typeface="Microsoft Yi Baiti" panose="03000500000000000000" pitchFamily="66" charset="0"/>
+                <a:ea typeface="Microsoft Yi Baiti" panose="03000500000000000000" pitchFamily="66" charset="0"/>
+              </a:rPr>
+              <a:t> </a:t>
+            </a:r>
+            <a:r>
+              <a:rPr lang="da-DK" dirty="0">
+                <a:highlight>
+                  <a:srgbClr val="FFFF00"/>
+                </a:highlight>
+                <a:latin typeface="Microsoft Yi Baiti" panose="03000500000000000000" pitchFamily="66" charset="0"/>
+                <a:ea typeface="Microsoft Yi Baiti" panose="03000500000000000000" pitchFamily="66" charset="0"/>
+              </a:rPr>
+              <a:t>C:\xampp\htdocs\RTS\Node\MongoProjekt\data</a:t>
+            </a:r>
+          </a:p>
+          <a:p>
+            <a:r>
+              <a:rPr lang="da-DK" dirty="0"/>
+              <a:t>Det med gult er den absolutte sti til den mappe du netop har oprettet. Din er nok anderledes. Nu skulle du gerne have en ”waiting” besked på skærmen. Det betyder, at der er hul igennem.</a:t>
+            </a:r>
+          </a:p>
+          <a:p>
+            <a:r>
+              <a:rPr lang="da-DK" dirty="0"/>
+              <a:t>Åben endnu en fane i din terminal (Visual Studio Code) og kør kommandoen </a:t>
+            </a:r>
+            <a:r>
+              <a:rPr lang="da-DK" dirty="0" err="1">
+                <a:latin typeface="Microsoft Yi Baiti" panose="03000500000000000000" pitchFamily="66" charset="0"/>
+                <a:ea typeface="Microsoft Yi Baiti" panose="03000500000000000000" pitchFamily="66" charset="0"/>
+              </a:rPr>
+              <a:t>mongo</a:t>
+            </a:r>
+            <a:endParaRPr lang="da-DK" dirty="0">
+              <a:latin typeface="Microsoft Yi Baiti" panose="03000500000000000000" pitchFamily="66" charset="0"/>
+              <a:ea typeface="Microsoft Yi Baiti" panose="03000500000000000000" pitchFamily="66" charset="0"/>
+            </a:endParaRPr>
+          </a:p>
+          <a:p>
+            <a:r>
+              <a:rPr lang="da-DK" dirty="0"/>
+              <a:t>I den sidst fane kan du skrive til din DB inden vi får fuld CRUD.</a:t>
+            </a:r>
+          </a:p>
+          <a:p>
+            <a:r>
+              <a:rPr lang="da-DK" dirty="0"/>
+              <a:t>Gå tilbage i første fane og start Node </a:t>
+            </a:r>
+            <a:r>
+              <a:rPr lang="da-DK" dirty="0" err="1">
+                <a:latin typeface="Microsoft Yi Baiti" panose="03000500000000000000" pitchFamily="66" charset="0"/>
+                <a:ea typeface="Microsoft Yi Baiti" panose="03000500000000000000" pitchFamily="66" charset="0"/>
+              </a:rPr>
+              <a:t>npm</a:t>
+            </a:r>
+            <a:r>
+              <a:rPr lang="da-DK" dirty="0">
+                <a:latin typeface="Microsoft Yi Baiti" panose="03000500000000000000" pitchFamily="66" charset="0"/>
+                <a:ea typeface="Microsoft Yi Baiti" panose="03000500000000000000" pitchFamily="66" charset="0"/>
+              </a:rPr>
+              <a:t> start</a:t>
+            </a:r>
+            <a:r>
+              <a:rPr lang="da-DK" dirty="0"/>
+              <a:t> </a:t>
+            </a:r>
+            <a:br>
+              <a:rPr lang="da-DK" dirty="0"/>
+            </a:br>
+            <a:endParaRPr lang="da-DK" dirty="0"/>
+          </a:p>
+        </p:txBody>
+      </p:sp>
+    </p:spTree>
+    <p:extLst>
+      <p:ext uri="{BB962C8B-B14F-4D97-AF65-F5344CB8AC3E}">
+        <p14:creationId xmlns:p14="http://schemas.microsoft.com/office/powerpoint/2010/main" val="2788641533"/>
+      </p:ext>
+    </p:extLst>
+  </p:cSld>
+  <p:clrMapOvr>
+    <a:masterClrMapping/>
+  </p:clrMapOvr>
+</p:sld>
+</file>
+
+<file path=ppt/slides/slide12.xml><?xml version="1.0" encoding="utf-8"?>
+<p:sld xmlns:a="http://schemas.openxmlformats.org/drawingml/2006/main" xmlns:r="http://schemas.openxmlformats.org/officeDocument/2006/relationships" xmlns:p="http://schemas.openxmlformats.org/presentationml/2006/main">
+  <p:cSld>
+    <p:spTree>
+      <p:nvGrpSpPr>
+        <p:cNvPr id="1" name=""/>
+        <p:cNvGrpSpPr/>
+        <p:nvPr/>
+      </p:nvGrpSpPr>
+      <p:grpSpPr>
+        <a:xfrm>
+          <a:off x="0" y="0"/>
+          <a:ext cx="0" cy="0"/>
+          <a:chOff x="0" y="0"/>
+          <a:chExt cx="0" cy="0"/>
+        </a:xfrm>
+      </p:grpSpPr>
+      <p:sp>
+        <p:nvSpPr>
+          <p:cNvPr id="2" name="Titel 1">
+            <a:extLst>
+              <a:ext uri="{FF2B5EF4-FFF2-40B4-BE49-F238E27FC236}">
+                <a16:creationId xmlns:a16="http://schemas.microsoft.com/office/drawing/2014/main" id="{D560FD7C-4984-4E38-8836-18FE477549E9}"/>
+              </a:ext>
+            </a:extLst>
+          </p:cNvPr>
+          <p:cNvSpPr>
+            <a:spLocks noGrp="1"/>
+          </p:cNvSpPr>
+          <p:nvPr>
+            <p:ph type="title"/>
+          </p:nvPr>
+        </p:nvSpPr>
+        <p:spPr/>
+        <p:txBody>
+          <a:bodyPr/>
+          <a:lstStyle/>
+          <a:p>
+            <a:pPr algn="ctr"/>
+            <a:r>
+              <a:rPr lang="da-DK" dirty="0" err="1"/>
+              <a:t>MongoDB</a:t>
+            </a:r>
+            <a:r>
+              <a:rPr lang="da-DK" dirty="0"/>
+              <a:t> &amp; Express</a:t>
+            </a:r>
+          </a:p>
+        </p:txBody>
+      </p:sp>
+      <p:sp>
+        <p:nvSpPr>
+          <p:cNvPr id="3" name="Pladsholder til indhold 2">
+            <a:extLst>
+              <a:ext uri="{FF2B5EF4-FFF2-40B4-BE49-F238E27FC236}">
+                <a16:creationId xmlns:a16="http://schemas.microsoft.com/office/drawing/2014/main" id="{098F725D-3909-414C-9186-87312B32088C}"/>
+              </a:ext>
+            </a:extLst>
+          </p:cNvPr>
+          <p:cNvSpPr>
+            <a:spLocks noGrp="1"/>
+          </p:cNvSpPr>
+          <p:nvPr>
+            <p:ph idx="1"/>
+          </p:nvPr>
+        </p:nvSpPr>
+        <p:spPr/>
+        <p:txBody>
+          <a:bodyPr/>
+          <a:lstStyle/>
+          <a:p>
+            <a:r>
+              <a:rPr lang="da-DK" dirty="0"/>
+              <a:t>Opret en Collection (tabel i SQL-sprog) via den fane, hvor du har kørt </a:t>
+            </a:r>
+            <a:r>
+              <a:rPr lang="da-DK" dirty="0" err="1">
+                <a:latin typeface="Microsoft Yi Baiti" panose="03000500000000000000" pitchFamily="66" charset="0"/>
+                <a:ea typeface="Microsoft Yi Baiti" panose="03000500000000000000" pitchFamily="66" charset="0"/>
+              </a:rPr>
+              <a:t>mongo</a:t>
+            </a:r>
+            <a:r>
+              <a:rPr lang="da-DK" dirty="0">
+                <a:latin typeface="Microsoft Yi Baiti" panose="03000500000000000000" pitchFamily="66" charset="0"/>
+                <a:ea typeface="Microsoft Yi Baiti" panose="03000500000000000000" pitchFamily="66" charset="0"/>
+              </a:rPr>
+              <a:t> </a:t>
+            </a:r>
+            <a:r>
+              <a:rPr lang="da-DK" dirty="0"/>
+              <a:t>–kommandoen. Det gør du ved at køre en anden kommando: </a:t>
+            </a:r>
+            <a:r>
+              <a:rPr lang="da-DK" dirty="0">
+                <a:latin typeface="Microsoft Yi Baiti" panose="03000500000000000000" pitchFamily="66" charset="0"/>
+                <a:ea typeface="Microsoft Yi Baiti" panose="03000500000000000000" pitchFamily="66" charset="0"/>
+              </a:rPr>
+              <a:t>muse NAVN_PAA_COLLECTION</a:t>
+            </a:r>
+            <a:r>
+              <a:rPr lang="da-DK" dirty="0"/>
+              <a:t>. I dette tilfælde er det </a:t>
+            </a:r>
+            <a:r>
+              <a:rPr lang="da-DK" dirty="0" err="1">
+                <a:latin typeface="Microsoft Yi Baiti" panose="03000500000000000000" pitchFamily="66" charset="0"/>
+                <a:ea typeface="Microsoft Yi Baiti" panose="03000500000000000000" pitchFamily="66" charset="0"/>
+              </a:rPr>
+              <a:t>use</a:t>
+            </a:r>
+            <a:r>
+              <a:rPr lang="da-DK" dirty="0">
+                <a:latin typeface="Microsoft Yi Baiti" panose="03000500000000000000" pitchFamily="66" charset="0"/>
+                <a:ea typeface="Microsoft Yi Baiti" panose="03000500000000000000" pitchFamily="66" charset="0"/>
+              </a:rPr>
+              <a:t> students</a:t>
+            </a:r>
+            <a:r>
+              <a:rPr lang="da-DK" dirty="0"/>
+              <a:t>. Min </a:t>
+            </a:r>
+            <a:r>
+              <a:rPr lang="da-DK" dirty="0" err="1"/>
+              <a:t>collection</a:t>
+            </a:r>
+            <a:r>
+              <a:rPr lang="da-DK" dirty="0"/>
+              <a:t> der oprettes hvis den ikke findes i forvejen, hedder altså ”students”. </a:t>
+            </a:r>
+          </a:p>
+          <a:p>
+            <a:r>
+              <a:rPr lang="da-DK" dirty="0"/>
+              <a:t>Du skal nu indsætte data ”</a:t>
+            </a:r>
+            <a:r>
+              <a:rPr lang="da-DK" dirty="0" err="1"/>
+              <a:t>hardcode</a:t>
+            </a:r>
+            <a:r>
+              <a:rPr lang="da-DK" dirty="0"/>
+              <a:t>”. Kør:</a:t>
+            </a:r>
+            <a:r>
+              <a:rPr lang="da-DK" dirty="0">
+                <a:latin typeface="Microsoft Yi Baiti" panose="03000500000000000000" pitchFamily="66" charset="0"/>
+                <a:ea typeface="Microsoft Yi Baiti" panose="03000500000000000000" pitchFamily="66" charset="0"/>
+              </a:rPr>
+              <a:t> </a:t>
+            </a:r>
+            <a:r>
+              <a:rPr lang="da-DK" dirty="0" err="1">
+                <a:latin typeface="Microsoft Yi Baiti" panose="03000500000000000000" pitchFamily="66" charset="0"/>
+                <a:ea typeface="Microsoft Yi Baiti" panose="03000500000000000000" pitchFamily="66" charset="0"/>
+              </a:rPr>
+              <a:t>db.students.insert</a:t>
+            </a:r>
+            <a:r>
+              <a:rPr lang="da-DK" dirty="0">
+                <a:latin typeface="Microsoft Yi Baiti" panose="03000500000000000000" pitchFamily="66" charset="0"/>
+                <a:ea typeface="Microsoft Yi Baiti" panose="03000500000000000000" pitchFamily="66" charset="0"/>
+              </a:rPr>
+              <a:t>([{”student”: ”Dale Cooper”, ”street”: ”123 High </a:t>
+            </a:r>
+            <a:r>
+              <a:rPr lang="da-DK" dirty="0" err="1">
+                <a:latin typeface="Microsoft Yi Baiti" panose="03000500000000000000" pitchFamily="66" charset="0"/>
+                <a:ea typeface="Microsoft Yi Baiti" panose="03000500000000000000" pitchFamily="66" charset="0"/>
+              </a:rPr>
+              <a:t>Way</a:t>
+            </a:r>
+            <a:r>
+              <a:rPr lang="da-DK" dirty="0">
+                <a:latin typeface="Microsoft Yi Baiti" panose="03000500000000000000" pitchFamily="66" charset="0"/>
+                <a:ea typeface="Microsoft Yi Baiti" panose="03000500000000000000" pitchFamily="66" charset="0"/>
+              </a:rPr>
+              <a:t>”}]) </a:t>
+            </a:r>
+          </a:p>
+          <a:p>
+            <a:r>
+              <a:rPr lang="da-DK" dirty="0"/>
+              <a:t>Test om det virker. Kør: </a:t>
+            </a:r>
+            <a:r>
+              <a:rPr lang="da-DK" dirty="0" err="1">
+                <a:latin typeface="Microsoft Yi Baiti" panose="03000500000000000000" pitchFamily="66" charset="0"/>
+                <a:ea typeface="Microsoft Yi Baiti" panose="03000500000000000000" pitchFamily="66" charset="0"/>
+              </a:rPr>
+              <a:t>db.students.find</a:t>
+            </a:r>
+            <a:r>
+              <a:rPr lang="da-DK" dirty="0">
+                <a:latin typeface="Microsoft Yi Baiti" panose="03000500000000000000" pitchFamily="66" charset="0"/>
+                <a:ea typeface="Microsoft Yi Baiti" panose="03000500000000000000" pitchFamily="66" charset="0"/>
+              </a:rPr>
+              <a:t>().</a:t>
+            </a:r>
+            <a:r>
+              <a:rPr lang="da-DK" dirty="0" err="1">
+                <a:latin typeface="Microsoft Yi Baiti" panose="03000500000000000000" pitchFamily="66" charset="0"/>
+                <a:ea typeface="Microsoft Yi Baiti" panose="03000500000000000000" pitchFamily="66" charset="0"/>
+              </a:rPr>
+              <a:t>pretty</a:t>
+            </a:r>
+            <a:r>
+              <a:rPr lang="da-DK" dirty="0">
+                <a:latin typeface="Microsoft Yi Baiti" panose="03000500000000000000" pitchFamily="66" charset="0"/>
+                <a:ea typeface="Microsoft Yi Baiti" panose="03000500000000000000" pitchFamily="66" charset="0"/>
+              </a:rPr>
+              <a:t>(). </a:t>
+            </a:r>
+            <a:r>
+              <a:rPr lang="da-DK" dirty="0"/>
+              <a:t>Din data skulle gerne vises i VSC-terminal-vinduet.</a:t>
+            </a:r>
+          </a:p>
+          <a:p>
+            <a:endParaRPr lang="da-DK" dirty="0"/>
+          </a:p>
+        </p:txBody>
+      </p:sp>
+    </p:spTree>
+    <p:extLst>
+      <p:ext uri="{BB962C8B-B14F-4D97-AF65-F5344CB8AC3E}">
+        <p14:creationId xmlns:p14="http://schemas.microsoft.com/office/powerpoint/2010/main" val="4197064934"/>
+      </p:ext>
+    </p:extLst>
+  </p:cSld>
+  <p:clrMapOvr>
+    <a:masterClrMapping/>
+  </p:clrMapOvr>
+</p:sld>
+</file>
+
+<file path=ppt/slides/slide13.xml><?xml version="1.0" encoding="utf-8"?>
+<p:sld xmlns:a="http://schemas.openxmlformats.org/drawingml/2006/main" xmlns:r="http://schemas.openxmlformats.org/officeDocument/2006/relationships" xmlns:p="http://schemas.openxmlformats.org/presentationml/2006/main">
+  <p:cSld>
+    <p:spTree>
+      <p:nvGrpSpPr>
+        <p:cNvPr id="1" name=""/>
+        <p:cNvGrpSpPr/>
+        <p:nvPr/>
+      </p:nvGrpSpPr>
+      <p:grpSpPr>
+        <a:xfrm>
+          <a:off x="0" y="0"/>
+          <a:ext cx="0" cy="0"/>
+          <a:chOff x="0" y="0"/>
+          <a:chExt cx="0" cy="0"/>
+        </a:xfrm>
+      </p:grpSpPr>
+      <p:sp>
+        <p:nvSpPr>
+          <p:cNvPr id="2" name="Titel 1">
+            <a:extLst>
+              <a:ext uri="{FF2B5EF4-FFF2-40B4-BE49-F238E27FC236}">
+                <a16:creationId xmlns:a16="http://schemas.microsoft.com/office/drawing/2014/main" id="{43E958BE-E774-481D-A052-370F7CCD4CC3}"/>
+              </a:ext>
+            </a:extLst>
+          </p:cNvPr>
+          <p:cNvSpPr>
+            <a:spLocks noGrp="1"/>
+          </p:cNvSpPr>
+          <p:nvPr>
+            <p:ph type="title"/>
+          </p:nvPr>
+        </p:nvSpPr>
+        <p:spPr/>
+        <p:txBody>
+          <a:bodyPr/>
+          <a:lstStyle/>
+          <a:p>
+            <a:pPr algn="ctr"/>
+            <a:r>
+              <a:rPr lang="da-DK" dirty="0" err="1"/>
+              <a:t>Mongo</a:t>
+            </a:r>
+            <a:r>
+              <a:rPr lang="da-DK" dirty="0"/>
+              <a:t> - Express</a:t>
+            </a:r>
+          </a:p>
+        </p:txBody>
+      </p:sp>
+      <p:sp>
+        <p:nvSpPr>
+          <p:cNvPr id="3" name="Pladsholder til indhold 2">
+            <a:extLst>
+              <a:ext uri="{FF2B5EF4-FFF2-40B4-BE49-F238E27FC236}">
+                <a16:creationId xmlns:a16="http://schemas.microsoft.com/office/drawing/2014/main" id="{D021791F-63E1-4DDE-A625-E4FD358420DE}"/>
+              </a:ext>
+            </a:extLst>
+          </p:cNvPr>
+          <p:cNvSpPr>
+            <a:spLocks noGrp="1"/>
+          </p:cNvSpPr>
+          <p:nvPr>
+            <p:ph idx="1"/>
+          </p:nvPr>
+        </p:nvSpPr>
+        <p:spPr/>
+        <p:txBody>
+          <a:bodyPr/>
+          <a:lstStyle/>
+          <a:p>
+            <a:r>
+              <a:rPr lang="da-DK" dirty="0"/>
+              <a:t>En stor del af din arbejde kommer til at foregå i index.js, der hvor du har dine Routes. Tilføj dog </a:t>
+            </a:r>
+            <a:r>
+              <a:rPr lang="da-DK" dirty="0">
+                <a:latin typeface="Microsoft Yi Baiti" panose="03000500000000000000" pitchFamily="66" charset="0"/>
+                <a:ea typeface="Microsoft Yi Baiti" panose="03000500000000000000" pitchFamily="66" charset="0"/>
+              </a:rPr>
+              <a:t>var </a:t>
+            </a:r>
+            <a:r>
+              <a:rPr lang="da-DK" dirty="0" err="1">
+                <a:latin typeface="Microsoft Yi Baiti" panose="03000500000000000000" pitchFamily="66" charset="0"/>
+                <a:ea typeface="Microsoft Yi Baiti" panose="03000500000000000000" pitchFamily="66" charset="0"/>
+              </a:rPr>
+              <a:t>mongo</a:t>
+            </a:r>
+            <a:r>
+              <a:rPr lang="da-DK" dirty="0">
+                <a:latin typeface="Microsoft Yi Baiti" panose="03000500000000000000" pitchFamily="66" charset="0"/>
+                <a:ea typeface="Microsoft Yi Baiti" panose="03000500000000000000" pitchFamily="66" charset="0"/>
+              </a:rPr>
+              <a:t> = </a:t>
+            </a:r>
+            <a:r>
+              <a:rPr lang="da-DK" dirty="0" err="1">
+                <a:latin typeface="Microsoft Yi Baiti" panose="03000500000000000000" pitchFamily="66" charset="0"/>
+                <a:ea typeface="Microsoft Yi Baiti" panose="03000500000000000000" pitchFamily="66" charset="0"/>
+              </a:rPr>
+              <a:t>require</a:t>
+            </a:r>
+            <a:r>
+              <a:rPr lang="da-DK" dirty="0">
+                <a:latin typeface="Microsoft Yi Baiti" panose="03000500000000000000" pitchFamily="66" charset="0"/>
+                <a:ea typeface="Microsoft Yi Baiti" panose="03000500000000000000" pitchFamily="66" charset="0"/>
+              </a:rPr>
+              <a:t>('</a:t>
+            </a:r>
+            <a:r>
+              <a:rPr lang="da-DK" dirty="0" err="1">
+                <a:latin typeface="Microsoft Yi Baiti" panose="03000500000000000000" pitchFamily="66" charset="0"/>
+                <a:ea typeface="Microsoft Yi Baiti" panose="03000500000000000000" pitchFamily="66" charset="0"/>
+              </a:rPr>
+              <a:t>mongodb</a:t>
+            </a:r>
+            <a:r>
+              <a:rPr lang="da-DK" dirty="0">
+                <a:latin typeface="Microsoft Yi Baiti" panose="03000500000000000000" pitchFamily="66" charset="0"/>
+                <a:ea typeface="Microsoft Yi Baiti" panose="03000500000000000000" pitchFamily="66" charset="0"/>
+              </a:rPr>
+              <a:t>’);</a:t>
+            </a:r>
+            <a:r>
+              <a:rPr lang="da-DK" dirty="0"/>
+              <a:t> til app.js</a:t>
+            </a:r>
+          </a:p>
+          <a:p>
+            <a:r>
+              <a:rPr lang="da-DK" dirty="0"/>
+              <a:t>I index.js tilføj i toppen: </a:t>
+            </a:r>
+          </a:p>
+          <a:p>
+            <a:pPr lvl="1"/>
+            <a:r>
+              <a:rPr lang="da-DK" dirty="0">
+                <a:latin typeface="Microsoft Yi Baiti" panose="03000500000000000000" pitchFamily="66" charset="0"/>
+                <a:ea typeface="Microsoft Yi Baiti" panose="03000500000000000000" pitchFamily="66" charset="0"/>
+              </a:rPr>
+              <a:t>var </a:t>
+            </a:r>
+            <a:r>
+              <a:rPr lang="da-DK" dirty="0" err="1">
+                <a:latin typeface="Microsoft Yi Baiti" panose="03000500000000000000" pitchFamily="66" charset="0"/>
+                <a:ea typeface="Microsoft Yi Baiti" panose="03000500000000000000" pitchFamily="66" charset="0"/>
+              </a:rPr>
+              <a:t>mongodb</a:t>
+            </a:r>
+            <a:r>
+              <a:rPr lang="da-DK" dirty="0">
+                <a:latin typeface="Microsoft Yi Baiti" panose="03000500000000000000" pitchFamily="66" charset="0"/>
+                <a:ea typeface="Microsoft Yi Baiti" panose="03000500000000000000" pitchFamily="66" charset="0"/>
+              </a:rPr>
+              <a:t> = </a:t>
+            </a:r>
+            <a:r>
+              <a:rPr lang="da-DK" dirty="0" err="1">
+                <a:latin typeface="Microsoft Yi Baiti" panose="03000500000000000000" pitchFamily="66" charset="0"/>
+                <a:ea typeface="Microsoft Yi Baiti" panose="03000500000000000000" pitchFamily="66" charset="0"/>
+              </a:rPr>
+              <a:t>require</a:t>
+            </a:r>
+            <a:r>
+              <a:rPr lang="da-DK" dirty="0">
+                <a:latin typeface="Microsoft Yi Baiti" panose="03000500000000000000" pitchFamily="66" charset="0"/>
+                <a:ea typeface="Microsoft Yi Baiti" panose="03000500000000000000" pitchFamily="66" charset="0"/>
+              </a:rPr>
+              <a:t>('</a:t>
+            </a:r>
+            <a:r>
+              <a:rPr lang="da-DK" dirty="0" err="1">
+                <a:latin typeface="Microsoft Yi Baiti" panose="03000500000000000000" pitchFamily="66" charset="0"/>
+                <a:ea typeface="Microsoft Yi Baiti" panose="03000500000000000000" pitchFamily="66" charset="0"/>
+              </a:rPr>
+              <a:t>mongodb</a:t>
+            </a:r>
+            <a:r>
+              <a:rPr lang="da-DK" dirty="0">
+                <a:latin typeface="Microsoft Yi Baiti" panose="03000500000000000000" pitchFamily="66" charset="0"/>
+                <a:ea typeface="Microsoft Yi Baiti" panose="03000500000000000000" pitchFamily="66" charset="0"/>
+              </a:rPr>
+              <a:t>');</a:t>
+            </a:r>
+          </a:p>
+          <a:p>
+            <a:pPr lvl="1"/>
+            <a:r>
+              <a:rPr lang="da-DK" dirty="0" err="1">
+                <a:latin typeface="Microsoft Yi Baiti" panose="03000500000000000000" pitchFamily="66" charset="0"/>
+                <a:ea typeface="Microsoft Yi Baiti" panose="03000500000000000000" pitchFamily="66" charset="0"/>
+              </a:rPr>
+              <a:t>const</a:t>
+            </a:r>
+            <a:r>
+              <a:rPr lang="da-DK" dirty="0">
+                <a:latin typeface="Microsoft Yi Baiti" panose="03000500000000000000" pitchFamily="66" charset="0"/>
+                <a:ea typeface="Microsoft Yi Baiti" panose="03000500000000000000" pitchFamily="66" charset="0"/>
+              </a:rPr>
+              <a:t> url = '</a:t>
+            </a:r>
+            <a:r>
+              <a:rPr lang="da-DK" dirty="0" err="1">
+                <a:latin typeface="Microsoft Yi Baiti" panose="03000500000000000000" pitchFamily="66" charset="0"/>
+                <a:ea typeface="Microsoft Yi Baiti" panose="03000500000000000000" pitchFamily="66" charset="0"/>
+              </a:rPr>
+              <a:t>mongodb</a:t>
+            </a:r>
+            <a:r>
+              <a:rPr lang="da-DK" dirty="0">
+                <a:latin typeface="Microsoft Yi Baiti" panose="03000500000000000000" pitchFamily="66" charset="0"/>
+                <a:ea typeface="Microsoft Yi Baiti" panose="03000500000000000000" pitchFamily="66" charset="0"/>
+              </a:rPr>
+              <a:t>://localhost:27017’;</a:t>
+            </a:r>
+          </a:p>
+          <a:p>
+            <a:pPr lvl="1"/>
+            <a:endParaRPr lang="da-DK" dirty="0"/>
+          </a:p>
+          <a:p>
+            <a:r>
+              <a:rPr lang="da-DK" dirty="0"/>
+              <a:t>Nu skal du til at bruge dine routes ganske som du plejer, men med </a:t>
+            </a:r>
+            <a:r>
+              <a:rPr lang="da-DK" dirty="0" err="1"/>
+              <a:t>MongoDB</a:t>
+            </a:r>
+            <a:r>
+              <a:rPr lang="da-DK" dirty="0"/>
+              <a:t>-syntaks for at hente, indsætte, opdatere og slette data.</a:t>
+            </a:r>
+          </a:p>
+        </p:txBody>
+      </p:sp>
+    </p:spTree>
+    <p:extLst>
+      <p:ext uri="{BB962C8B-B14F-4D97-AF65-F5344CB8AC3E}">
+        <p14:creationId xmlns:p14="http://schemas.microsoft.com/office/powerpoint/2010/main" val="4058835495"/>
+      </p:ext>
+    </p:extLst>
+  </p:cSld>
+  <p:clrMapOvr>
+    <a:masterClrMapping/>
+  </p:clrMapOvr>
+</p:sld>
+</file>
+
+<file path=ppt/slides/slide14.xml><?xml version="1.0" encoding="utf-8"?>
+<p:sld xmlns:a="http://schemas.openxmlformats.org/drawingml/2006/main" xmlns:r="http://schemas.openxmlformats.org/officeDocument/2006/relationships" xmlns:p="http://schemas.openxmlformats.org/presentationml/2006/main">
+  <p:cSld>
+    <p:spTree>
+      <p:nvGrpSpPr>
+        <p:cNvPr id="1" name=""/>
+        <p:cNvGrpSpPr/>
+        <p:nvPr/>
+      </p:nvGrpSpPr>
+      <p:grpSpPr>
+        <a:xfrm>
+          <a:off x="0" y="0"/>
+          <a:ext cx="0" cy="0"/>
+          <a:chOff x="0" y="0"/>
+          <a:chExt cx="0" cy="0"/>
+        </a:xfrm>
+      </p:grpSpPr>
+      <p:sp>
+        <p:nvSpPr>
+          <p:cNvPr id="2" name="Titel 1">
+            <a:extLst>
+              <a:ext uri="{FF2B5EF4-FFF2-40B4-BE49-F238E27FC236}">
                 <a16:creationId xmlns:a16="http://schemas.microsoft.com/office/drawing/2014/main" id="{F28F4BBE-96A2-41A0-A60E-CFBE9426633D}"/>
               </a:ext>
             </a:extLst>
@@ -3860,7 +4469,7 @@
 </p:sld>
 </file>
 
-<file path=ppt/slides/slide12.xml><?xml version="1.0" encoding="utf-8"?>
+<file path=ppt/slides/slide15.xml><?xml version="1.0" encoding="utf-8"?>
 <p:sld xmlns:a="http://schemas.openxmlformats.org/drawingml/2006/main" xmlns:r="http://schemas.openxmlformats.org/officeDocument/2006/relationships" xmlns:p="http://schemas.openxmlformats.org/presentationml/2006/main">
   <p:cSld>
     <p:spTree>
@@ -3970,7 +4579,7 @@
 </p:sld>
 </file>
 
-<file path=ppt/slides/slide13.xml><?xml version="1.0" encoding="utf-8"?>
+<file path=ppt/slides/slide16.xml><?xml version="1.0" encoding="utf-8"?>
 <p:sld xmlns:a="http://schemas.openxmlformats.org/drawingml/2006/main" xmlns:r="http://schemas.openxmlformats.org/officeDocument/2006/relationships" xmlns:p="http://schemas.openxmlformats.org/presentationml/2006/main">
   <p:cSld>
     <p:spTree>
@@ -4075,7 +4684,7 @@
 </p:sld>
 </file>
 
-<file path=ppt/slides/slide14.xml><?xml version="1.0" encoding="utf-8"?>
+<file path=ppt/slides/slide17.xml><?xml version="1.0" encoding="utf-8"?>
 <p:sld xmlns:a="http://schemas.openxmlformats.org/drawingml/2006/main" xmlns:r="http://schemas.openxmlformats.org/officeDocument/2006/relationships" xmlns:p="http://schemas.openxmlformats.org/presentationml/2006/main">
   <p:cSld>
     <p:spTree>
@@ -4202,7 +4811,7 @@
 </p:sld>
 </file>
 
-<file path=ppt/slides/slide15.xml><?xml version="1.0" encoding="utf-8"?>
+<file path=ppt/slides/slide18.xml><?xml version="1.0" encoding="utf-8"?>
 <p:sld xmlns:a="http://schemas.openxmlformats.org/drawingml/2006/main" xmlns:r="http://schemas.openxmlformats.org/officeDocument/2006/relationships" xmlns:p="http://schemas.openxmlformats.org/presentationml/2006/main">
   <p:cSld>
     <p:spTree>
@@ -4329,7 +4938,7 @@
 </p:sld>
 </file>
 
-<file path=ppt/slides/slide16.xml><?xml version="1.0" encoding="utf-8"?>
+<file path=ppt/slides/slide19.xml><?xml version="1.0" encoding="utf-8"?>
 <p:sld xmlns:a="http://schemas.openxmlformats.org/drawingml/2006/main" xmlns:r="http://schemas.openxmlformats.org/officeDocument/2006/relationships" xmlns:p="http://schemas.openxmlformats.org/presentationml/2006/main">
   <p:cSld>
     <p:spTree>
@@ -5121,13 +5730,8 @@
             </a:br>
             <a:r>
               <a:rPr lang="da-DK" dirty="0"/>
-              <a:t>indsætte hvad som helst i det format </a:t>
-            </a:r>
-            <a:r>
-              <a:rPr lang="da-DK"/>
-              <a:t>man ønsker.</a:t>
-            </a:r>
-            <a:endParaRPr lang="da-DK" dirty="0"/>
+              <a:t>indsætte hvad som helst i det format man ønsker.</a:t>
+            </a:r>
           </a:p>
           <a:p>
             <a:endParaRPr lang="da-DK" dirty="0"/>
@@ -5554,7 +6158,7 @@
         <p:spPr/>
         <p:txBody>
           <a:bodyPr>
-            <a:normAutofit fontScale="77500" lnSpcReduction="20000"/>
+            <a:normAutofit/>
           </a:bodyPr>
           <a:lstStyle/>
           <a:p>
@@ -5624,118 +6228,6 @@
               <a:rPr lang="da-DK" dirty="0"/>
               <a:t>Opret en mappe du kalder ”data” i roden af dit projekt</a:t>
             </a:r>
-          </a:p>
-          <a:p>
-            <a:r>
-              <a:rPr lang="da-DK" dirty="0"/>
-              <a:t>Åbn VSC. Åbn en ny fane i din indbyggede terminal og start din </a:t>
-            </a:r>
-            <a:r>
-              <a:rPr lang="da-DK" dirty="0" err="1"/>
-              <a:t>MongoDB</a:t>
-            </a:r>
-            <a:r>
-              <a:rPr lang="da-DK" dirty="0"/>
-              <a:t> Server med hele denne kommando (også det med gult):</a:t>
-            </a:r>
-            <a:br>
-              <a:rPr lang="da-DK" dirty="0"/>
-            </a:br>
-            <a:r>
-              <a:rPr lang="da-DK" dirty="0" err="1">
-                <a:latin typeface="Microsoft Yi Baiti" panose="03000500000000000000" pitchFamily="66" charset="0"/>
-                <a:ea typeface="Microsoft Yi Baiti" panose="03000500000000000000" pitchFamily="66" charset="0"/>
-              </a:rPr>
-              <a:t>mongod</a:t>
-            </a:r>
-            <a:r>
-              <a:rPr lang="da-DK" dirty="0">
-                <a:latin typeface="Microsoft Yi Baiti" panose="03000500000000000000" pitchFamily="66" charset="0"/>
-                <a:ea typeface="Microsoft Yi Baiti" panose="03000500000000000000" pitchFamily="66" charset="0"/>
-              </a:rPr>
-              <a:t> --</a:t>
-            </a:r>
-            <a:r>
-              <a:rPr lang="da-DK" dirty="0" err="1">
-                <a:latin typeface="Microsoft Yi Baiti" panose="03000500000000000000" pitchFamily="66" charset="0"/>
-                <a:ea typeface="Microsoft Yi Baiti" panose="03000500000000000000" pitchFamily="66" charset="0"/>
-              </a:rPr>
-              <a:t>dbpath</a:t>
-            </a:r>
-            <a:r>
-              <a:rPr lang="da-DK" dirty="0">
-                <a:latin typeface="Microsoft Yi Baiti" panose="03000500000000000000" pitchFamily="66" charset="0"/>
-                <a:ea typeface="Microsoft Yi Baiti" panose="03000500000000000000" pitchFamily="66" charset="0"/>
-              </a:rPr>
-              <a:t> </a:t>
-            </a:r>
-            <a:r>
-              <a:rPr lang="da-DK" dirty="0">
-                <a:highlight>
-                  <a:srgbClr val="FFFF00"/>
-                </a:highlight>
-                <a:latin typeface="Microsoft Yi Baiti" panose="03000500000000000000" pitchFamily="66" charset="0"/>
-                <a:ea typeface="Microsoft Yi Baiti" panose="03000500000000000000" pitchFamily="66" charset="0"/>
-              </a:rPr>
-              <a:t>C:\xampp\htdocs\RTS\Node\MongoProjekt\data</a:t>
-            </a:r>
-          </a:p>
-          <a:p>
-            <a:r>
-              <a:rPr lang="da-DK" dirty="0"/>
-              <a:t>Det med gult er den absolutte sti til den mappe du netop har oprettet. Din er nok anderledes. Nu skulle du gerne have en ”waiting” besked på skærmen. Det betyder, at der er hul igennem.</a:t>
-            </a:r>
-          </a:p>
-          <a:p>
-            <a:r>
-              <a:rPr lang="da-DK" dirty="0"/>
-              <a:t>Åben endnu en fane i din terminal (Visual Studio Code) og kør kommandoen </a:t>
-            </a:r>
-            <a:r>
-              <a:rPr lang="da-DK" dirty="0" err="1">
-                <a:latin typeface="Microsoft Yi Baiti" panose="03000500000000000000" pitchFamily="66" charset="0"/>
-                <a:ea typeface="Microsoft Yi Baiti" panose="03000500000000000000" pitchFamily="66" charset="0"/>
-              </a:rPr>
-              <a:t>mongo</a:t>
-            </a:r>
-            <a:endParaRPr lang="da-DK" dirty="0">
-              <a:latin typeface="Microsoft Yi Baiti" panose="03000500000000000000" pitchFamily="66" charset="0"/>
-              <a:ea typeface="Microsoft Yi Baiti" panose="03000500000000000000" pitchFamily="66" charset="0"/>
-            </a:endParaRPr>
-          </a:p>
-          <a:p>
-            <a:r>
-              <a:rPr lang="da-DK" dirty="0"/>
-              <a:t>I den sidst fane kan du skrive til din DB inden vi får fuld CRUD.</a:t>
-            </a:r>
-          </a:p>
-          <a:p>
-            <a:r>
-              <a:rPr lang="da-DK" dirty="0"/>
-              <a:t>Gå tilbage i første fane og start Node </a:t>
-            </a:r>
-            <a:r>
-              <a:rPr lang="da-DK" dirty="0" err="1">
-                <a:latin typeface="Microsoft Yi Baiti" panose="03000500000000000000" pitchFamily="66" charset="0"/>
-                <a:ea typeface="Microsoft Yi Baiti" panose="03000500000000000000" pitchFamily="66" charset="0"/>
-              </a:rPr>
-              <a:t>npm</a:t>
-            </a:r>
-            <a:r>
-              <a:rPr lang="da-DK" dirty="0">
-                <a:latin typeface="Microsoft Yi Baiti" panose="03000500000000000000" pitchFamily="66" charset="0"/>
-                <a:ea typeface="Microsoft Yi Baiti" panose="03000500000000000000" pitchFamily="66" charset="0"/>
-              </a:rPr>
-              <a:t> start</a:t>
-            </a:r>
-            <a:r>
-              <a:rPr lang="da-DK" dirty="0"/>
-              <a:t> </a:t>
-            </a:r>
-            <a:br>
-              <a:rPr lang="da-DK" dirty="0"/>
-            </a:br>
-            <a:endParaRPr lang="da-DK" dirty="0"/>
           </a:p>
         </p:txBody>
       </p:sp>
@@ -5774,7 +6266,7 @@
           <p:cNvPr id="2" name="Titel 1">
             <a:extLst>
               <a:ext uri="{FF2B5EF4-FFF2-40B4-BE49-F238E27FC236}">
-                <a16:creationId xmlns:a16="http://schemas.microsoft.com/office/drawing/2014/main" id="{D560FD7C-4984-4E38-8836-18FE477549E9}"/>
+                <a16:creationId xmlns:a16="http://schemas.microsoft.com/office/drawing/2014/main" id="{B26C43AA-C6A6-44FC-A2E8-C810A80B4641}"/>
               </a:ext>
             </a:extLst>
           </p:cNvPr>
@@ -5807,7 +6299,7 @@
           <p:cNvPr id="3" name="Pladsholder til indhold 2">
             <a:extLst>
               <a:ext uri="{FF2B5EF4-FFF2-40B4-BE49-F238E27FC236}">
-                <a16:creationId xmlns:a16="http://schemas.microsoft.com/office/drawing/2014/main" id="{098F725D-3909-414C-9186-87312B32088C}"/>
+                <a16:creationId xmlns:a16="http://schemas.microsoft.com/office/drawing/2014/main" id="{B7281BA0-ADC1-4855-81AF-01D019227625}"/>
               </a:ext>
             </a:extLst>
           </p:cNvPr>
@@ -5820,165 +6312,69 @@
         </p:nvSpPr>
         <p:spPr/>
         <p:txBody>
-          <a:bodyPr/>
-          <a:lstStyle/>
-          <a:p>
-            <a:r>
-              <a:rPr lang="da-DK" dirty="0"/>
-              <a:t>Opret en Collection (tabel i SQL-sprog) via den fane, hvor du har kørt </a:t>
-            </a:r>
-            <a:r>
-              <a:rPr lang="da-DK" dirty="0" err="1">
-                <a:latin typeface="Microsoft Yi Baiti" panose="03000500000000000000" pitchFamily="66" charset="0"/>
-                <a:ea typeface="Microsoft Yi Baiti" panose="03000500000000000000" pitchFamily="66" charset="0"/>
-              </a:rPr>
-              <a:t>mongo</a:t>
-            </a:r>
-            <a:r>
-              <a:rPr lang="da-DK" dirty="0">
-                <a:latin typeface="Microsoft Yi Baiti" panose="03000500000000000000" pitchFamily="66" charset="0"/>
-                <a:ea typeface="Microsoft Yi Baiti" panose="03000500000000000000" pitchFamily="66" charset="0"/>
-              </a:rPr>
-              <a:t> </a:t>
-            </a:r>
-            <a:r>
-              <a:rPr lang="da-DK" dirty="0"/>
-              <a:t>–kommandoen. Det gør du ved at køre en anden kommando: </a:t>
-            </a:r>
-            <a:r>
-              <a:rPr lang="da-DK" dirty="0">
-                <a:latin typeface="Microsoft Yi Baiti" panose="03000500000000000000" pitchFamily="66" charset="0"/>
-                <a:ea typeface="Microsoft Yi Baiti" panose="03000500000000000000" pitchFamily="66" charset="0"/>
-              </a:rPr>
-              <a:t>muse NAVN_PAA_COLLECTION</a:t>
-            </a:r>
-            <a:r>
-              <a:rPr lang="da-DK" dirty="0"/>
-              <a:t>. I dette tilfælde er det </a:t>
-            </a:r>
-            <a:r>
-              <a:rPr lang="da-DK" dirty="0" err="1">
-                <a:latin typeface="Microsoft Yi Baiti" panose="03000500000000000000" pitchFamily="66" charset="0"/>
-                <a:ea typeface="Microsoft Yi Baiti" panose="03000500000000000000" pitchFamily="66" charset="0"/>
-              </a:rPr>
-              <a:t>use</a:t>
-            </a:r>
-            <a:r>
-              <a:rPr lang="da-DK" dirty="0">
-                <a:latin typeface="Microsoft Yi Baiti" panose="03000500000000000000" pitchFamily="66" charset="0"/>
-                <a:ea typeface="Microsoft Yi Baiti" panose="03000500000000000000" pitchFamily="66" charset="0"/>
-              </a:rPr>
-              <a:t> students</a:t>
-            </a:r>
-            <a:r>
-              <a:rPr lang="da-DK" dirty="0"/>
-              <a:t>. Min </a:t>
-            </a:r>
-            <a:r>
-              <a:rPr lang="da-DK" dirty="0" err="1"/>
-              <a:t>collection</a:t>
-            </a:r>
-            <a:r>
-              <a:rPr lang="da-DK" dirty="0"/>
-              <a:t> der oprettes hvis den ikke findes i forvejen, hedder altså ”students”. </a:t>
-            </a:r>
-          </a:p>
-          <a:p>
-            <a:r>
-              <a:rPr lang="da-DK" dirty="0"/>
-              <a:t>Du skal nu indsætte data ”</a:t>
-            </a:r>
-            <a:r>
-              <a:rPr lang="da-DK" dirty="0" err="1"/>
-              <a:t>hardcode</a:t>
-            </a:r>
-            <a:r>
-              <a:rPr lang="da-DK" dirty="0"/>
-              <a:t>”. Kør:</a:t>
-            </a:r>
-            <a:r>
-              <a:rPr lang="da-DK" dirty="0">
-                <a:latin typeface="Microsoft Yi Baiti" panose="03000500000000000000" pitchFamily="66" charset="0"/>
-                <a:ea typeface="Microsoft Yi Baiti" panose="03000500000000000000" pitchFamily="66" charset="0"/>
-              </a:rPr>
-              <a:t> </a:t>
-            </a:r>
-            <a:r>
-              <a:rPr lang="da-DK" dirty="0" err="1">
-                <a:latin typeface="Microsoft Yi Baiti" panose="03000500000000000000" pitchFamily="66" charset="0"/>
-                <a:ea typeface="Microsoft Yi Baiti" panose="03000500000000000000" pitchFamily="66" charset="0"/>
-              </a:rPr>
-              <a:t>db.students.insert</a:t>
-            </a:r>
-            <a:r>
-              <a:rPr lang="da-DK" dirty="0">
-                <a:latin typeface="Microsoft Yi Baiti" panose="03000500000000000000" pitchFamily="66" charset="0"/>
-                <a:ea typeface="Microsoft Yi Baiti" panose="03000500000000000000" pitchFamily="66" charset="0"/>
-              </a:rPr>
-              <a:t>([{”student”: ”Dale Cooper”, ”street”: ”123 High </a:t>
-            </a:r>
-            <a:r>
-              <a:rPr lang="da-DK" dirty="0" err="1">
-                <a:latin typeface="Microsoft Yi Baiti" panose="03000500000000000000" pitchFamily="66" charset="0"/>
-                <a:ea typeface="Microsoft Yi Baiti" panose="03000500000000000000" pitchFamily="66" charset="0"/>
-              </a:rPr>
-              <a:t>Way</a:t>
-            </a:r>
-            <a:r>
-              <a:rPr lang="da-DK" dirty="0">
-                <a:latin typeface="Microsoft Yi Baiti" panose="03000500000000000000" pitchFamily="66" charset="0"/>
-                <a:ea typeface="Microsoft Yi Baiti" panose="03000500000000000000" pitchFamily="66" charset="0"/>
-              </a:rPr>
-              <a:t>”}]) </a:t>
-            </a:r>
-          </a:p>
-          <a:p>
-            <a:r>
-              <a:rPr lang="da-DK" dirty="0"/>
-              <a:t>Test om det virker. Kør: </a:t>
-            </a:r>
-            <a:r>
-              <a:rPr lang="da-DK" dirty="0" err="1">
-                <a:latin typeface="Microsoft Yi Baiti" panose="03000500000000000000" pitchFamily="66" charset="0"/>
-                <a:ea typeface="Microsoft Yi Baiti" panose="03000500000000000000" pitchFamily="66" charset="0"/>
-              </a:rPr>
-              <a:t>db.students.find</a:t>
-            </a:r>
-            <a:r>
-              <a:rPr lang="da-DK" dirty="0">
-                <a:latin typeface="Microsoft Yi Baiti" panose="03000500000000000000" pitchFamily="66" charset="0"/>
-                <a:ea typeface="Microsoft Yi Baiti" panose="03000500000000000000" pitchFamily="66" charset="0"/>
-              </a:rPr>
-              <a:t>().</a:t>
-            </a:r>
-            <a:r>
-              <a:rPr lang="da-DK" dirty="0" err="1">
-                <a:latin typeface="Microsoft Yi Baiti" panose="03000500000000000000" pitchFamily="66" charset="0"/>
-                <a:ea typeface="Microsoft Yi Baiti" panose="03000500000000000000" pitchFamily="66" charset="0"/>
-              </a:rPr>
-              <a:t>pretty</a:t>
-            </a:r>
-            <a:r>
-              <a:rPr lang="da-DK" dirty="0">
-                <a:latin typeface="Microsoft Yi Baiti" panose="03000500000000000000" pitchFamily="66" charset="0"/>
-                <a:ea typeface="Microsoft Yi Baiti" panose="03000500000000000000" pitchFamily="66" charset="0"/>
-              </a:rPr>
-              <a:t>(). </a:t>
-            </a:r>
-            <a:r>
-              <a:rPr lang="da-DK" dirty="0"/>
-              <a:t>Din data skulle gerne vises i VSC-terminal-vinduet.</a:t>
-            </a:r>
-          </a:p>
-          <a:p>
+          <a:bodyPr>
+            <a:normAutofit/>
+          </a:bodyPr>
+          <a:lstStyle/>
+          <a:p>
+            <a:r>
+              <a:rPr lang="da-DK" b="1" dirty="0"/>
+              <a:t>Tilføj ”miljø-</a:t>
+            </a:r>
+            <a:br>
+              <a:rPr lang="da-DK" b="1" dirty="0"/>
+            </a:br>
+            <a:r>
+              <a:rPr lang="da-DK" b="1" dirty="0"/>
+              <a:t>variable”:</a:t>
+            </a:r>
+            <a:br>
+              <a:rPr lang="da-DK" b="1" dirty="0"/>
+            </a:br>
             <a:endParaRPr lang="da-DK" dirty="0"/>
           </a:p>
         </p:txBody>
       </p:sp>
+      <p:pic>
+        <p:nvPicPr>
+          <p:cNvPr id="5" name="Billede 4">
+            <a:extLst>
+              <a:ext uri="{FF2B5EF4-FFF2-40B4-BE49-F238E27FC236}">
+                <a16:creationId xmlns:a16="http://schemas.microsoft.com/office/drawing/2014/main" id="{F5112566-386F-4319-9BA2-C12D094C42F4}"/>
+              </a:ext>
+            </a:extLst>
+          </p:cNvPr>
+          <p:cNvPicPr>
+            <a:picLocks noChangeAspect="1"/>
+          </p:cNvPicPr>
+          <p:nvPr/>
+        </p:nvPicPr>
+        <p:blipFill>
+          <a:blip r:embed="rId2">
+            <a:extLst>
+              <a:ext uri="{28A0092B-C50C-407E-A947-70E740481C1C}">
+                <a14:useLocalDpi xmlns:a14="http://schemas.microsoft.com/office/drawing/2010/main" val="0"/>
+              </a:ext>
+            </a:extLst>
+          </a:blip>
+          <a:stretch>
+            <a:fillRect/>
+          </a:stretch>
+        </p:blipFill>
+        <p:spPr>
+          <a:xfrm>
+            <a:off x="3827721" y="1665030"/>
+            <a:ext cx="6677610" cy="5192970"/>
+          </a:xfrm>
+          <a:prstGeom prst="rect">
+            <a:avLst/>
+          </a:prstGeom>
+        </p:spPr>
+      </p:pic>
     </p:spTree>
     <p:extLst>
       <p:ext uri="{BB962C8B-B14F-4D97-AF65-F5344CB8AC3E}">
-        <p14:creationId xmlns:p14="http://schemas.microsoft.com/office/powerpoint/2010/main" val="4197064934"/>
+        <p14:creationId xmlns:p14="http://schemas.microsoft.com/office/powerpoint/2010/main" val="3061011058"/>
       </p:ext>
     </p:extLst>
   </p:cSld>

--- a/MongoDB.pptx
+++ b/MongoDB.pptx
@@ -12,9 +12,9 @@
     <p:sldId id="260" r:id="rId6"/>
     <p:sldId id="264" r:id="rId7"/>
     <p:sldId id="261" r:id="rId8"/>
-    <p:sldId id="262" r:id="rId9"/>
-    <p:sldId id="273" r:id="rId10"/>
-    <p:sldId id="274" r:id="rId11"/>
+    <p:sldId id="273" r:id="rId9"/>
+    <p:sldId id="274" r:id="rId10"/>
+    <p:sldId id="262" r:id="rId11"/>
     <p:sldId id="272" r:id="rId12"/>
     <p:sldId id="263" r:id="rId13"/>
     <p:sldId id="265" r:id="rId14"/>
@@ -3440,7 +3440,7 @@
           <p:cNvPr id="2" name="Titel 1">
             <a:extLst>
               <a:ext uri="{FF2B5EF4-FFF2-40B4-BE49-F238E27FC236}">
-                <a16:creationId xmlns:a16="http://schemas.microsoft.com/office/drawing/2014/main" id="{9BBCB541-DFA1-48E6-80FA-DAA8F5747DA7}"/>
+                <a16:creationId xmlns:a16="http://schemas.microsoft.com/office/drawing/2014/main" id="{B26C43AA-C6A6-44FC-A2E8-C810A80B4641}"/>
               </a:ext>
             </a:extLst>
           </p:cNvPr>
@@ -3459,66 +3459,83 @@
             <a:pPr algn="ctr"/>
             <a:r>
               <a:rPr lang="da-DK" dirty="0" err="1"/>
-              <a:t>Mongo</a:t>
-            </a:r>
-            <a:r>
-              <a:rPr lang="da-DK" dirty="0"/>
-              <a:t> start fra terminal (</a:t>
+              <a:t>MongoDB</a:t>
+            </a:r>
+            <a:r>
+              <a:rPr lang="da-DK" dirty="0"/>
+              <a:t> &amp; Express</a:t>
+            </a:r>
+          </a:p>
+        </p:txBody>
+      </p:sp>
+      <p:sp>
+        <p:nvSpPr>
+          <p:cNvPr id="3" name="Pladsholder til indhold 2">
+            <a:extLst>
+              <a:ext uri="{FF2B5EF4-FFF2-40B4-BE49-F238E27FC236}">
+                <a16:creationId xmlns:a16="http://schemas.microsoft.com/office/drawing/2014/main" id="{B7281BA0-ADC1-4855-81AF-01D019227625}"/>
+              </a:ext>
+            </a:extLst>
+          </p:cNvPr>
+          <p:cNvSpPr>
+            <a:spLocks noGrp="1"/>
+          </p:cNvSpPr>
+          <p:nvPr>
+            <p:ph idx="1"/>
+          </p:nvPr>
+        </p:nvSpPr>
+        <p:spPr/>
+        <p:txBody>
+          <a:bodyPr>
+            <a:normAutofit/>
+          </a:bodyPr>
+          <a:lstStyle/>
+          <a:p>
+            <a:r>
+              <a:rPr lang="da-DK" dirty="0"/>
+              <a:t>Opret et projekt vha. Express-generator som du gjorde i torsdags.</a:t>
+            </a:r>
+          </a:p>
+          <a:p>
+            <a:r>
+              <a:rPr lang="da-DK" dirty="0"/>
+              <a:t>Installér driveren til </a:t>
             </a:r>
             <a:r>
               <a:rPr lang="da-DK" dirty="0" err="1"/>
-              <a:t>cmd</a:t>
-            </a:r>
-            <a:r>
-              <a:rPr lang="da-DK" dirty="0"/>
-              <a:t>) som </a:t>
-            </a:r>
-            <a:r>
-              <a:rPr lang="da-DK"/>
-              <a:t>admin</a:t>
-            </a:r>
-          </a:p>
-        </p:txBody>
-      </p:sp>
-      <p:sp>
-        <p:nvSpPr>
-          <p:cNvPr id="3" name="Pladsholder til indhold 2">
-            <a:extLst>
-              <a:ext uri="{FF2B5EF4-FFF2-40B4-BE49-F238E27FC236}">
-                <a16:creationId xmlns:a16="http://schemas.microsoft.com/office/drawing/2014/main" id="{DF531EB4-0B73-4392-9DBB-B44ADC0374BE}"/>
-              </a:ext>
-            </a:extLst>
-          </p:cNvPr>
-          <p:cNvSpPr>
-            <a:spLocks noGrp="1"/>
-          </p:cNvSpPr>
-          <p:nvPr>
-            <p:ph idx="1"/>
-          </p:nvPr>
-        </p:nvSpPr>
-        <p:spPr/>
-        <p:txBody>
-          <a:bodyPr/>
-          <a:lstStyle/>
-          <a:p>
-            <a:r>
-              <a:rPr lang="da-DK" dirty="0"/>
-              <a:t>Start </a:t>
-            </a:r>
-            <a:r>
-              <a:rPr lang="da-DK" dirty="0" err="1"/>
-              <a:t>Mongo</a:t>
-            </a:r>
-            <a:r>
-              <a:rPr lang="da-DK" dirty="0"/>
-              <a:t>: </a:t>
+              <a:t>MongoDB</a:t>
+            </a:r>
+            <a:r>
+              <a:rPr lang="da-DK" dirty="0"/>
+              <a:t> så du kan bruge den i Express. </a:t>
+            </a:r>
+            <a:r>
+              <a:rPr lang="da-DK" dirty="0" err="1">
+                <a:latin typeface="Microsoft Yi Baiti" panose="03000500000000000000" pitchFamily="66" charset="0"/>
+                <a:ea typeface="Microsoft Yi Baiti" panose="03000500000000000000" pitchFamily="66" charset="0"/>
+              </a:rPr>
+              <a:t>npm</a:t>
             </a:r>
             <a:r>
               <a:rPr lang="da-DK" dirty="0">
                 <a:latin typeface="Microsoft Yi Baiti" panose="03000500000000000000" pitchFamily="66" charset="0"/>
                 <a:ea typeface="Microsoft Yi Baiti" panose="03000500000000000000" pitchFamily="66" charset="0"/>
               </a:rPr>
-              <a:t>cd &lt;</a:t>
+              <a:t> </a:t>
+            </a:r>
+            <a:r>
+              <a:rPr lang="da-DK" dirty="0" err="1">
+                <a:latin typeface="Microsoft Yi Baiti" panose="03000500000000000000" pitchFamily="66" charset="0"/>
+                <a:ea typeface="Microsoft Yi Baiti" panose="03000500000000000000" pitchFamily="66" charset="0"/>
+              </a:rPr>
+              <a:t>install</a:t>
+            </a:r>
+            <a:r>
+              <a:rPr lang="da-DK" dirty="0">
+                <a:latin typeface="Microsoft Yi Baiti" panose="03000500000000000000" pitchFamily="66" charset="0"/>
+                <a:ea typeface="Microsoft Yi Baiti" panose="03000500000000000000" pitchFamily="66" charset="0"/>
+              </a:rPr>
+              <a:t> </a:t>
             </a:r>
             <a:r>
               <a:rPr lang="da-DK" dirty="0" err="1">
@@ -3532,54 +3549,21 @@
                 <a:latin typeface="Microsoft Yi Baiti" panose="03000500000000000000" pitchFamily="66" charset="0"/>
                 <a:ea typeface="Microsoft Yi Baiti" panose="03000500000000000000" pitchFamily="66" charset="0"/>
               </a:rPr>
-              <a:t> installation dir&gt; </a:t>
-            </a:r>
-            <a:r>
-              <a:rPr lang="da-DK" b="1" dirty="0"/>
-              <a:t>fra terminal – </a:t>
-            </a:r>
-            <a:r>
-              <a:rPr lang="da-DK" b="1" dirty="0">
-                <a:solidFill>
-                  <a:srgbClr val="FF0000"/>
-                </a:solidFill>
-              </a:rPr>
-              <a:t>som ADMINISTRATOR</a:t>
-            </a:r>
-            <a:endParaRPr lang="da-DK" b="1" dirty="0"/>
-          </a:p>
-          <a:p>
-            <a:r>
-              <a:rPr lang="da-DK" dirty="0">
-                <a:ea typeface="Microsoft Yi Baiti" panose="03000500000000000000" pitchFamily="66" charset="0"/>
-              </a:rPr>
-              <a:t>Start: </a:t>
-            </a:r>
-            <a:r>
-              <a:rPr lang="da-DK" dirty="0">
-                <a:latin typeface="Microsoft Yi Baiti" panose="03000500000000000000" pitchFamily="66" charset="0"/>
-                <a:ea typeface="Microsoft Yi Baiti" panose="03000500000000000000" pitchFamily="66" charset="0"/>
-              </a:rPr>
-              <a:t>./bin/</a:t>
-            </a:r>
-            <a:r>
-              <a:rPr lang="da-DK" dirty="0" err="1">
-                <a:latin typeface="Microsoft Yi Baiti" panose="03000500000000000000" pitchFamily="66" charset="0"/>
-                <a:ea typeface="Microsoft Yi Baiti" panose="03000500000000000000" pitchFamily="66" charset="0"/>
-              </a:rPr>
-              <a:t>mongo</a:t>
-            </a:r>
-            <a:endParaRPr lang="da-DK" dirty="0">
-              <a:latin typeface="Microsoft Yi Baiti" panose="03000500000000000000" pitchFamily="66" charset="0"/>
-              <a:ea typeface="Microsoft Yi Baiti" panose="03000500000000000000" pitchFamily="66" charset="0"/>
-            </a:endParaRPr>
+              <a:t> --save</a:t>
+            </a:r>
+          </a:p>
+          <a:p>
+            <a:r>
+              <a:rPr lang="da-DK" dirty="0"/>
+              <a:t>Opret en mappe du kalder ”data” i roden af dit projekt</a:t>
+            </a:r>
           </a:p>
         </p:txBody>
       </p:sp>
     </p:spTree>
     <p:extLst>
       <p:ext uri="{BB962C8B-B14F-4D97-AF65-F5344CB8AC3E}">
-        <p14:creationId xmlns:p14="http://schemas.microsoft.com/office/powerpoint/2010/main" val="2179950704"/>
+        <p14:creationId xmlns:p14="http://schemas.microsoft.com/office/powerpoint/2010/main" val="3214944964"/>
       </p:ext>
     </p:extLst>
   </p:cSld>
@@ -3664,7 +3648,7 @@
           <a:p>
             <a:r>
               <a:rPr lang="da-DK" dirty="0"/>
-              <a:t>Åbn VSC. Åbn en ny fane i din indbyggede terminal og start din </a:t>
+              <a:t>Åbn en ny fane i din indbyggede terminal og start din </a:t>
             </a:r>
             <a:r>
               <a:rPr lang="da-DK" dirty="0" err="1"/>
@@ -3882,11 +3866,18 @@
               <a:t>–kommandoen. Det gør du ved at køre en anden kommando: </a:t>
             </a:r>
             <a:r>
+              <a:rPr lang="da-DK" dirty="0" err="1">
+                <a:latin typeface="Microsoft Yi Baiti" panose="03000500000000000000" pitchFamily="66" charset="0"/>
+                <a:ea typeface="Microsoft Yi Baiti" panose="03000500000000000000" pitchFamily="66" charset="0"/>
+              </a:rPr>
+              <a:t>use</a:t>
+            </a:r>
+            <a:r>
               <a:rPr lang="da-DK" dirty="0">
                 <a:latin typeface="Microsoft Yi Baiti" panose="03000500000000000000" pitchFamily="66" charset="0"/>
                 <a:ea typeface="Microsoft Yi Baiti" panose="03000500000000000000" pitchFamily="66" charset="0"/>
               </a:rPr>
-              <a:t>muse NAVN_PAA_COLLECTION</a:t>
+              <a:t> NAVN_PAA_COLLECTION</a:t>
             </a:r>
             <a:r>
               <a:rPr lang="da-DK" dirty="0"/>
@@ -6163,78 +6154,63 @@
           <a:lstStyle/>
           <a:p>
             <a:r>
-              <a:rPr lang="da-DK" dirty="0"/>
-              <a:t>Opret et projekt vha. Express-generator som du gjorde i torsdags.</a:t>
-            </a:r>
-          </a:p>
-          <a:p>
-            <a:r>
-              <a:rPr lang="da-DK" dirty="0"/>
-              <a:t>Installér driveren til </a:t>
-            </a:r>
-            <a:r>
-              <a:rPr lang="da-DK" dirty="0" err="1"/>
-              <a:t>MongoDB</a:t>
-            </a:r>
-            <a:r>
-              <a:rPr lang="da-DK" dirty="0"/>
-              <a:t> så du kan bruge den i Express. </a:t>
-            </a:r>
-            <a:r>
-              <a:rPr lang="da-DK" dirty="0" err="1">
-                <a:latin typeface="Microsoft Yi Baiti" panose="03000500000000000000" pitchFamily="66" charset="0"/>
-                <a:ea typeface="Microsoft Yi Baiti" panose="03000500000000000000" pitchFamily="66" charset="0"/>
-              </a:rPr>
-              <a:t>npm</a:t>
-            </a:r>
-            <a:r>
-              <a:rPr lang="da-DK" dirty="0">
-                <a:latin typeface="Microsoft Yi Baiti" panose="03000500000000000000" pitchFamily="66" charset="0"/>
-                <a:ea typeface="Microsoft Yi Baiti" panose="03000500000000000000" pitchFamily="66" charset="0"/>
-              </a:rPr>
-              <a:t> </a:t>
-            </a:r>
-            <a:r>
-              <a:rPr lang="da-DK" dirty="0" err="1">
-                <a:latin typeface="Microsoft Yi Baiti" panose="03000500000000000000" pitchFamily="66" charset="0"/>
-                <a:ea typeface="Microsoft Yi Baiti" panose="03000500000000000000" pitchFamily="66" charset="0"/>
-              </a:rPr>
-              <a:t>install</a:t>
-            </a:r>
-            <a:r>
-              <a:rPr lang="da-DK" dirty="0">
-                <a:latin typeface="Microsoft Yi Baiti" panose="03000500000000000000" pitchFamily="66" charset="0"/>
-                <a:ea typeface="Microsoft Yi Baiti" panose="03000500000000000000" pitchFamily="66" charset="0"/>
-              </a:rPr>
-              <a:t> </a:t>
-            </a:r>
-            <a:r>
-              <a:rPr lang="da-DK" dirty="0" err="1">
-                <a:latin typeface="Microsoft Yi Baiti" panose="03000500000000000000" pitchFamily="66" charset="0"/>
-                <a:ea typeface="Microsoft Yi Baiti" panose="03000500000000000000" pitchFamily="66" charset="0"/>
-              </a:rPr>
-              <a:t>mongodb</a:t>
-            </a:r>
-            <a:r>
-              <a:rPr lang="da-DK" dirty="0">
-                <a:latin typeface="Microsoft Yi Baiti" panose="03000500000000000000" pitchFamily="66" charset="0"/>
-                <a:ea typeface="Microsoft Yi Baiti" panose="03000500000000000000" pitchFamily="66" charset="0"/>
-              </a:rPr>
-              <a:t> --save</a:t>
-            </a:r>
-          </a:p>
-          <a:p>
-            <a:r>
-              <a:rPr lang="da-DK" dirty="0"/>
-              <a:t>Opret en mappe du kalder ”data” i roden af dit projekt</a:t>
-            </a:r>
-          </a:p>
-        </p:txBody>
-      </p:sp>
+              <a:rPr lang="da-DK" b="1" dirty="0"/>
+              <a:t>Tilføj ”miljø-</a:t>
+            </a:r>
+            <a:br>
+              <a:rPr lang="da-DK" b="1" dirty="0"/>
+            </a:br>
+            <a:r>
+              <a:rPr lang="da-DK" b="1" dirty="0"/>
+              <a:t>variable”:</a:t>
+            </a:r>
+            <a:br>
+              <a:rPr lang="da-DK" b="1" dirty="0"/>
+            </a:br>
+            <a:endParaRPr lang="da-DK" dirty="0"/>
+          </a:p>
+        </p:txBody>
+      </p:sp>
+      <p:pic>
+        <p:nvPicPr>
+          <p:cNvPr id="5" name="Billede 4">
+            <a:extLst>
+              <a:ext uri="{FF2B5EF4-FFF2-40B4-BE49-F238E27FC236}">
+                <a16:creationId xmlns:a16="http://schemas.microsoft.com/office/drawing/2014/main" id="{F5112566-386F-4319-9BA2-C12D094C42F4}"/>
+              </a:ext>
+            </a:extLst>
+          </p:cNvPr>
+          <p:cNvPicPr>
+            <a:picLocks noChangeAspect="1"/>
+          </p:cNvPicPr>
+          <p:nvPr/>
+        </p:nvPicPr>
+        <p:blipFill>
+          <a:blip r:embed="rId2">
+            <a:extLst>
+              <a:ext uri="{28A0092B-C50C-407E-A947-70E740481C1C}">
+                <a14:useLocalDpi xmlns:a14="http://schemas.microsoft.com/office/drawing/2010/main" val="0"/>
+              </a:ext>
+            </a:extLst>
+          </a:blip>
+          <a:stretch>
+            <a:fillRect/>
+          </a:stretch>
+        </p:blipFill>
+        <p:spPr>
+          <a:xfrm>
+            <a:off x="3827721" y="1665030"/>
+            <a:ext cx="6677610" cy="5192970"/>
+          </a:xfrm>
+          <a:prstGeom prst="rect">
+            <a:avLst/>
+          </a:prstGeom>
+        </p:spPr>
+      </p:pic>
     </p:spTree>
     <p:extLst>
       <p:ext uri="{BB962C8B-B14F-4D97-AF65-F5344CB8AC3E}">
-        <p14:creationId xmlns:p14="http://schemas.microsoft.com/office/powerpoint/2010/main" val="3214944964"/>
+        <p14:creationId xmlns:p14="http://schemas.microsoft.com/office/powerpoint/2010/main" val="3061011058"/>
       </p:ext>
     </p:extLst>
   </p:cSld>
@@ -6266,7 +6242,7 @@
           <p:cNvPr id="2" name="Titel 1">
             <a:extLst>
               <a:ext uri="{FF2B5EF4-FFF2-40B4-BE49-F238E27FC236}">
-                <a16:creationId xmlns:a16="http://schemas.microsoft.com/office/drawing/2014/main" id="{B26C43AA-C6A6-44FC-A2E8-C810A80B4641}"/>
+                <a16:creationId xmlns:a16="http://schemas.microsoft.com/office/drawing/2014/main" id="{9BBCB541-DFA1-48E6-80FA-DAA8F5747DA7}"/>
               </a:ext>
             </a:extLst>
           </p:cNvPr>
@@ -6285,12 +6261,25 @@
             <a:pPr algn="ctr"/>
             <a:r>
               <a:rPr lang="da-DK" dirty="0" err="1"/>
-              <a:t>MongoDB</a:t>
-            </a:r>
-            <a:r>
-              <a:rPr lang="da-DK" dirty="0"/>
-              <a:t> &amp; Express</a:t>
-            </a:r>
+              <a:t>Mongo</a:t>
+            </a:r>
+            <a:r>
+              <a:rPr lang="da-DK" dirty="0"/>
+              <a:t> start fra terminal (</a:t>
+            </a:r>
+            <a:r>
+              <a:rPr lang="da-DK" dirty="0" err="1"/>
+              <a:t>cmd</a:t>
+            </a:r>
+            <a:r>
+              <a:rPr lang="da-DK" dirty="0"/>
+              <a:t>) som </a:t>
+            </a:r>
+            <a:r>
+              <a:rPr lang="da-DK" dirty="0" err="1"/>
+              <a:t>admin</a:t>
+            </a:r>
+            <a:endParaRPr lang="da-DK" dirty="0"/>
           </a:p>
         </p:txBody>
       </p:sp>
@@ -6299,7 +6288,7 @@
           <p:cNvPr id="3" name="Pladsholder til indhold 2">
             <a:extLst>
               <a:ext uri="{FF2B5EF4-FFF2-40B4-BE49-F238E27FC236}">
-                <a16:creationId xmlns:a16="http://schemas.microsoft.com/office/drawing/2014/main" id="{B7281BA0-ADC1-4855-81AF-01D019227625}"/>
+                <a16:creationId xmlns:a16="http://schemas.microsoft.com/office/drawing/2014/main" id="{DF531EB4-0B73-4392-9DBB-B44ADC0374BE}"/>
               </a:ext>
             </a:extLst>
           </p:cNvPr>
@@ -6312,69 +6301,88 @@
         </p:nvSpPr>
         <p:spPr/>
         <p:txBody>
-          <a:bodyPr>
-            <a:normAutofit/>
-          </a:bodyPr>
-          <a:lstStyle/>
-          <a:p>
+          <a:bodyPr/>
+          <a:lstStyle/>
+          <a:p>
+            <a:r>
+              <a:rPr lang="da-DK" dirty="0"/>
+              <a:t>Start </a:t>
+            </a:r>
+            <a:r>
+              <a:rPr lang="da-DK" dirty="0" err="1"/>
+              <a:t>Mongo</a:t>
+            </a:r>
+            <a:r>
+              <a:rPr lang="da-DK" dirty="0"/>
+              <a:t>: </a:t>
+            </a:r>
+            <a:r>
+              <a:rPr lang="da-DK" dirty="0">
+                <a:latin typeface="Microsoft Yi Baiti" panose="03000500000000000000" pitchFamily="66" charset="0"/>
+                <a:ea typeface="Microsoft Yi Baiti" panose="03000500000000000000" pitchFamily="66" charset="0"/>
+              </a:rPr>
+              <a:t>cd &lt;</a:t>
+            </a:r>
+            <a:r>
+              <a:rPr lang="da-DK" dirty="0" err="1">
+                <a:latin typeface="Microsoft Yi Baiti" panose="03000500000000000000" pitchFamily="66" charset="0"/>
+                <a:ea typeface="Microsoft Yi Baiti" panose="03000500000000000000" pitchFamily="66" charset="0"/>
+              </a:rPr>
+              <a:t>mongodb</a:t>
+            </a:r>
+            <a:r>
+              <a:rPr lang="da-DK" dirty="0">
+                <a:latin typeface="Microsoft Yi Baiti" panose="03000500000000000000" pitchFamily="66" charset="0"/>
+                <a:ea typeface="Microsoft Yi Baiti" panose="03000500000000000000" pitchFamily="66" charset="0"/>
+              </a:rPr>
+              <a:t> installation dir&gt; </a:t>
+            </a:r>
             <a:r>
               <a:rPr lang="da-DK" b="1" dirty="0"/>
-              <a:t>Tilføj ”miljø-</a:t>
-            </a:r>
-            <a:br>
-              <a:rPr lang="da-DK" b="1" dirty="0"/>
-            </a:br>
-            <a:r>
-              <a:rPr lang="da-DK" b="1" dirty="0"/>
-              <a:t>variable”:</a:t>
-            </a:r>
-            <a:br>
-              <a:rPr lang="da-DK" b="1" dirty="0"/>
-            </a:br>
-            <a:endParaRPr lang="da-DK" dirty="0"/>
-          </a:p>
-        </p:txBody>
-      </p:sp>
-      <p:pic>
-        <p:nvPicPr>
-          <p:cNvPr id="5" name="Billede 4">
-            <a:extLst>
-              <a:ext uri="{FF2B5EF4-FFF2-40B4-BE49-F238E27FC236}">
-                <a16:creationId xmlns:a16="http://schemas.microsoft.com/office/drawing/2014/main" id="{F5112566-386F-4319-9BA2-C12D094C42F4}"/>
-              </a:ext>
-            </a:extLst>
-          </p:cNvPr>
-          <p:cNvPicPr>
-            <a:picLocks noChangeAspect="1"/>
-          </p:cNvPicPr>
-          <p:nvPr/>
-        </p:nvPicPr>
-        <p:blipFill>
-          <a:blip r:embed="rId2">
-            <a:extLst>
-              <a:ext uri="{28A0092B-C50C-407E-A947-70E740481C1C}">
-                <a14:useLocalDpi xmlns:a14="http://schemas.microsoft.com/office/drawing/2010/main" val="0"/>
-              </a:ext>
-            </a:extLst>
-          </a:blip>
-          <a:stretch>
-            <a:fillRect/>
-          </a:stretch>
-        </p:blipFill>
-        <p:spPr>
-          <a:xfrm>
-            <a:off x="3827721" y="1665030"/>
-            <a:ext cx="6677610" cy="5192970"/>
-          </a:xfrm>
-          <a:prstGeom prst="rect">
-            <a:avLst/>
-          </a:prstGeom>
-        </p:spPr>
-      </p:pic>
+              <a:t>fra terminal – </a:t>
+            </a:r>
+            <a:r>
+              <a:rPr lang="da-DK" b="1" dirty="0">
+                <a:solidFill>
+                  <a:srgbClr val="FF0000"/>
+                </a:solidFill>
+              </a:rPr>
+              <a:t>som ADMINISTRATOR</a:t>
+            </a:r>
+            <a:endParaRPr lang="da-DK" b="1" dirty="0"/>
+          </a:p>
+          <a:p>
+            <a:r>
+              <a:rPr lang="da-DK" dirty="0">
+                <a:ea typeface="Microsoft Yi Baiti" panose="03000500000000000000" pitchFamily="66" charset="0"/>
+              </a:rPr>
+              <a:t>Start: </a:t>
+            </a:r>
+            <a:r>
+              <a:rPr lang="da-DK" dirty="0">
+                <a:latin typeface="Microsoft Yi Baiti" panose="03000500000000000000" pitchFamily="66" charset="0"/>
+                <a:ea typeface="Microsoft Yi Baiti" panose="03000500000000000000" pitchFamily="66" charset="0"/>
+              </a:rPr>
+              <a:t>./bin/</a:t>
+            </a:r>
+            <a:r>
+              <a:rPr lang="da-DK" dirty="0" err="1">
+                <a:latin typeface="Microsoft Yi Baiti" panose="03000500000000000000" pitchFamily="66" charset="0"/>
+                <a:ea typeface="Microsoft Yi Baiti" panose="03000500000000000000" pitchFamily="66" charset="0"/>
+              </a:rPr>
+              <a:t>mongod</a:t>
+            </a:r>
+            <a:endParaRPr lang="da-DK" dirty="0">
+              <a:latin typeface="Microsoft Yi Baiti" panose="03000500000000000000" pitchFamily="66" charset="0"/>
+              <a:ea typeface="Microsoft Yi Baiti" panose="03000500000000000000" pitchFamily="66" charset="0"/>
+            </a:endParaRPr>
+          </a:p>
+        </p:txBody>
+      </p:sp>
     </p:spTree>
     <p:extLst>
       <p:ext uri="{BB962C8B-B14F-4D97-AF65-F5344CB8AC3E}">
-        <p14:creationId xmlns:p14="http://schemas.microsoft.com/office/powerpoint/2010/main" val="3061011058"/>
+        <p14:creationId xmlns:p14="http://schemas.microsoft.com/office/powerpoint/2010/main" val="2179950704"/>
       </p:ext>
     </p:extLst>
   </p:cSld>
